--- a/Document/SummerCamp2016-CyberHelpMons.pptx
+++ b/Document/SummerCamp2016-CyberHelpMons.pptx
@@ -10,9 +10,10 @@
     <p:sldId id="257" r:id="rId4"/>
     <p:sldId id="258" r:id="rId5"/>
     <p:sldId id="260" r:id="rId6"/>
-    <p:sldId id="259" r:id="rId7"/>
-    <p:sldId id="261" r:id="rId8"/>
-    <p:sldId id="262" r:id="rId9"/>
+    <p:sldId id="263" r:id="rId7"/>
+    <p:sldId id="259" r:id="rId8"/>
+    <p:sldId id="261" r:id="rId9"/>
+    <p:sldId id="262" r:id="rId10"/>
   </p:sldIdLst>
   <p:sldSz cx="9144000" cy="6858000" type="screen4x3"/>
   <p:notesSz cx="6858000" cy="9144000"/>
@@ -1078,19 +1079,6 @@
             </a:rPr>
             <a:t>Statistiques (KPI)</a:t>
           </a:r>
-          <a:endParaRPr lang="en-US" sz="1800" b="0" kern="1200">
-            <a:solidFill>
-              <a:prstClr val="black">
-                <a:hueOff val="0"/>
-                <a:satOff val="0"/>
-                <a:lumOff val="0"/>
-                <a:alphaOff val="0"/>
-              </a:prstClr>
-            </a:solidFill>
-            <a:latin typeface="맑은 고딕"/>
-            <a:ea typeface="+mn-ea"/>
-            <a:cs typeface="+mn-cs"/>
-          </a:endParaRPr>
         </a:p>
       </dgm:t>
     </dgm:pt>
@@ -1145,19 +1133,6 @@
             </a:rPr>
             <a:t>Géolocalisation</a:t>
           </a:r>
-          <a:endParaRPr lang="en-US" sz="1800" b="0" kern="1200">
-            <a:solidFill>
-              <a:prstClr val="black">
-                <a:hueOff val="0"/>
-                <a:satOff val="0"/>
-                <a:lumOff val="0"/>
-                <a:alphaOff val="0"/>
-              </a:prstClr>
-            </a:solidFill>
-            <a:latin typeface="맑은 고딕"/>
-            <a:ea typeface="+mn-ea"/>
-            <a:cs typeface="+mn-cs"/>
-          </a:endParaRPr>
         </a:p>
       </dgm:t>
     </dgm:pt>
@@ -1568,19 +1543,6 @@
             </a:rPr>
             <a:t>Géolocalisation</a:t>
           </a:r>
-          <a:endParaRPr lang="en-US" sz="1800" b="0" kern="1200">
-            <a:solidFill>
-              <a:prstClr val="black">
-                <a:hueOff val="0"/>
-                <a:satOff val="0"/>
-                <a:lumOff val="0"/>
-                <a:alphaOff val="0"/>
-              </a:prstClr>
-            </a:solidFill>
-            <a:latin typeface="맑은 고딕"/>
-            <a:ea typeface="+mn-ea"/>
-            <a:cs typeface="+mn-cs"/>
-          </a:endParaRPr>
         </a:p>
       </dsp:txBody>
       <dsp:txXfrm>
@@ -1703,19 +1665,6 @@
             </a:rPr>
             <a:t>Statistiques (KPI)</a:t>
           </a:r>
-          <a:endParaRPr lang="en-US" sz="1800" b="0" kern="1200">
-            <a:solidFill>
-              <a:prstClr val="black">
-                <a:hueOff val="0"/>
-                <a:satOff val="0"/>
-                <a:lumOff val="0"/>
-                <a:alphaOff val="0"/>
-              </a:prstClr>
-            </a:solidFill>
-            <a:latin typeface="맑은 고딕"/>
-            <a:ea typeface="+mn-ea"/>
-            <a:cs typeface="+mn-cs"/>
-          </a:endParaRPr>
         </a:p>
       </dsp:txBody>
       <dsp:txXfrm>
@@ -5725,13 +5674,13 @@
   <p:clrMapOvr>
     <a:masterClrMapping/>
   </p:clrMapOvr>
-  <mc:AlternateContent xmlns:mc="http://schemas.openxmlformats.org/markup-compatibility/2006">
-    <mc:Choice xmlns:p14="http://schemas.microsoft.com/office/powerpoint/2010/main" Requires="p14">
+  <mc:AlternateContent xmlns:mc="http://schemas.openxmlformats.org/markup-compatibility/2006" xmlns:p14="http://schemas.microsoft.com/office/powerpoint/2010/main">
+    <mc:Choice Requires="p14">
       <p:transition spd="slow" p14:dur="3900">
         <p14:glitter pattern="hexagon"/>
       </p:transition>
     </mc:Choice>
-    <mc:Fallback>
+    <mc:Fallback xmlns="">
       <p:transition spd="slow">
         <p:fade/>
       </p:transition>
@@ -6086,7 +6035,6 @@
               <a:rPr lang="fr-FR"/>
               <a:t>Adrien</a:t>
             </a:r>
-            <a:endParaRPr lang="fr-FR"/>
           </a:p>
         </p:txBody>
       </p:sp>
@@ -6117,7 +6065,6 @@
               <a:rPr lang="fr-FR"/>
               <a:t>Michaël</a:t>
             </a:r>
-            <a:endParaRPr lang="fr-FR"/>
           </a:p>
         </p:txBody>
       </p:sp>
@@ -6148,7 +6095,6 @@
               <a:rPr lang="fr-FR"/>
               <a:t>Stéphane</a:t>
             </a:r>
-            <a:endParaRPr lang="fr-FR"/>
           </a:p>
         </p:txBody>
       </p:sp>
@@ -6179,7 +6125,6 @@
               <a:rPr lang="fr-FR"/>
               <a:t>Denis</a:t>
             </a:r>
-            <a:endParaRPr lang="fr-FR"/>
           </a:p>
         </p:txBody>
       </p:sp>
@@ -6193,13 +6138,13 @@
   <p:clrMapOvr>
     <a:masterClrMapping/>
   </p:clrMapOvr>
-  <mc:AlternateContent xmlns:mc="http://schemas.openxmlformats.org/markup-compatibility/2006">
-    <mc:Choice xmlns:p14="http://schemas.microsoft.com/office/powerpoint/2010/main" Requires="p14">
+  <mc:AlternateContent xmlns:mc="http://schemas.openxmlformats.org/markup-compatibility/2006" xmlns:p14="http://schemas.microsoft.com/office/powerpoint/2010/main">
+    <mc:Choice Requires="p14">
       <p:transition spd="slow" p14:dur="3900">
         <p14:glitter pattern="hexagon"/>
       </p:transition>
     </mc:Choice>
-    <mc:Fallback>
+    <mc:Fallback xmlns="">
       <p:transition spd="slow">
         <p:fade/>
       </p:transition>
@@ -6284,11 +6229,6 @@
               </a:rPr>
               <a:t>Hébergement</a:t>
             </a:r>
-            <a:endParaRPr lang="fr-BE" sz="1800" b="1">
-              <a:solidFill>
-                <a:srgbClr val="236EAF"/>
-              </a:solidFill>
-            </a:endParaRPr>
           </a:p>
           <a:p>
             <a:pPr marL="685800" lvl="3" indent="0">
@@ -6315,11 +6255,7 @@
             </a:pPr>
             <a:r>
               <a:rPr lang="fr-BE" sz="1400"/>
-              <a:t>WebAPI C# </a:t>
-            </a:r>
-            <a:r>
-              <a:rPr lang="fr-BE" sz="1400"/>
-              <a:t>(json)</a:t>
+              <a:t>WebAPI C# (json)</a:t>
             </a:r>
           </a:p>
           <a:p>
@@ -6335,7 +6271,6 @@
               <a:rPr lang="fr-BE" sz="1400"/>
               <a:t>Azure Notification Hub (Google Cloud Msg)</a:t>
             </a:r>
-            <a:endParaRPr lang="fr-BE" sz="1400"/>
           </a:p>
           <a:p>
             <a:pPr lvl="1">
@@ -6383,11 +6318,7 @@
             </a:pPr>
             <a:r>
               <a:rPr lang="fr-BE" sz="1400"/>
-              <a:t>DotNetCore </a:t>
-            </a:r>
-            <a:r>
-              <a:rPr lang="fr-BE" sz="1400"/>
-              <a:t>MVC</a:t>
+              <a:t>DotNetCore MVC</a:t>
             </a:r>
           </a:p>
           <a:p>
@@ -6429,11 +6360,7 @@
             </a:pPr>
             <a:r>
               <a:rPr lang="fr-BE" sz="1400"/>
-              <a:t>Responsive </a:t>
-            </a:r>
-            <a:r>
-              <a:rPr lang="fr-BE" sz="1400"/>
-              <a:t>Design</a:t>
+              <a:t>Responsive Design</a:t>
             </a:r>
           </a:p>
           <a:p>
@@ -6466,11 +6393,6 @@
               </a:rPr>
               <a:t>Mobile Application</a:t>
             </a:r>
-            <a:endParaRPr lang="fr-BE" sz="1800" b="1">
-              <a:solidFill>
-                <a:srgbClr val="236EAF"/>
-              </a:solidFill>
-            </a:endParaRPr>
           </a:p>
           <a:p>
             <a:pPr marL="685800" lvl="3" indent="0">
@@ -6485,7 +6407,6 @@
               <a:rPr lang="fr-BE" sz="1400"/>
               <a:t>Xamarin Android Native</a:t>
             </a:r>
-            <a:endParaRPr lang="fr-BE" sz="1400"/>
           </a:p>
           <a:p>
             <a:pPr marL="685800" lvl="3" indent="0">
@@ -6500,7 +6421,6 @@
               <a:rPr lang="fr-BE" sz="1400"/>
               <a:t>MVVM Light</a:t>
             </a:r>
-            <a:endParaRPr lang="fr-BE" sz="1400"/>
           </a:p>
         </p:txBody>
       </p:sp>
@@ -6821,13 +6741,13 @@
   <p:clrMapOvr>
     <a:masterClrMapping/>
   </p:clrMapOvr>
-  <mc:AlternateContent xmlns:mc="http://schemas.openxmlformats.org/markup-compatibility/2006">
-    <mc:Choice xmlns:p14="http://schemas.microsoft.com/office/powerpoint/2010/main" Requires="p14">
+  <mc:AlternateContent xmlns:mc="http://schemas.openxmlformats.org/markup-compatibility/2006" xmlns:p14="http://schemas.microsoft.com/office/powerpoint/2010/main">
+    <mc:Choice Requires="p14">
       <p:transition spd="slow" p14:dur="3900">
         <p14:glitter pattern="hexagon"/>
       </p:transition>
     </mc:Choice>
-    <mc:Fallback>
+    <mc:Fallback xmlns="">
       <p:transition spd="slow">
         <p:fade/>
       </p:transition>
@@ -7123,7 +7043,6 @@
               <a:rPr lang="fr-FR"/>
               <a:t>Mobile App</a:t>
             </a:r>
-            <a:endParaRPr lang="fr-FR"/>
           </a:p>
         </p:txBody>
       </p:sp>
@@ -7386,13 +7305,13 @@
   <p:clrMapOvr>
     <a:masterClrMapping/>
   </p:clrMapOvr>
-  <mc:AlternateContent xmlns:mc="http://schemas.openxmlformats.org/markup-compatibility/2006">
-    <mc:Choice xmlns:p14="http://schemas.microsoft.com/office/powerpoint/2010/main" Requires="p14">
+  <mc:AlternateContent xmlns:mc="http://schemas.openxmlformats.org/markup-compatibility/2006" xmlns:p14="http://schemas.microsoft.com/office/powerpoint/2010/main">
+    <mc:Choice Requires="p14">
       <p:transition spd="slow" p14:dur="3900">
         <p14:glitter pattern="hexagon"/>
       </p:transition>
     </mc:Choice>
-    <mc:Fallback>
+    <mc:Fallback xmlns="">
       <p:transition spd="slow">
         <p:fade/>
       </p:transition>
@@ -7677,6 +7596,210 @@
           <a:p>
             <a:r>
               <a:rPr lang="fr-FR"/>
+              <a:t>Web Portal</a:t>
+            </a:r>
+            <a:endParaRPr lang="fr-FR"/>
+          </a:p>
+        </p:txBody>
+      </p:sp>
+      <p:pic>
+        <p:nvPicPr>
+          <p:cNvPr id="5" name="Picture 4"/>
+          <p:cNvPicPr>
+            <a:picLocks noChangeAspect="1"/>
+          </p:cNvPicPr>
+          <p:nvPr/>
+        </p:nvPicPr>
+        <p:blipFill>
+          <a:blip r:embed="rId2"/>
+          <a:stretch>
+            <a:fillRect/>
+          </a:stretch>
+        </p:blipFill>
+        <p:spPr>
+          <a:xfrm>
+            <a:off x="107504" y="1196752"/>
+            <a:ext cx="8770402" cy="4144015"/>
+          </a:xfrm>
+          <a:prstGeom prst="rect">
+            <a:avLst/>
+          </a:prstGeom>
+          <a:ln>
+            <a:noFill/>
+          </a:ln>
+          <a:effectLst>
+            <a:outerShdw blurRad="190500" algn="tl" rotWithShape="0">
+              <a:srgbClr val="000000">
+                <a:alpha val="70000"/>
+              </a:srgbClr>
+            </a:outerShdw>
+          </a:effectLst>
+        </p:spPr>
+      </p:pic>
+      <p:pic>
+        <p:nvPicPr>
+          <p:cNvPr id="6" name="Picture 5"/>
+          <p:cNvPicPr>
+            <a:picLocks noChangeAspect="1"/>
+          </p:cNvPicPr>
+          <p:nvPr/>
+        </p:nvPicPr>
+        <p:blipFill>
+          <a:blip r:embed="rId3"/>
+          <a:stretch>
+            <a:fillRect/>
+          </a:stretch>
+        </p:blipFill>
+        <p:spPr>
+          <a:xfrm>
+            <a:off x="251520" y="2492896"/>
+            <a:ext cx="8784976" cy="4150901"/>
+          </a:xfrm>
+          <a:prstGeom prst="rect">
+            <a:avLst/>
+          </a:prstGeom>
+          <a:ln>
+            <a:noFill/>
+          </a:ln>
+          <a:effectLst>
+            <a:outerShdw blurRad="190500" algn="tl" rotWithShape="0">
+              <a:srgbClr val="000000">
+                <a:alpha val="70000"/>
+              </a:srgbClr>
+            </a:outerShdw>
+          </a:effectLst>
+        </p:spPr>
+      </p:pic>
+    </p:spTree>
+    <p:extLst>
+      <p:ext uri="{BB962C8B-B14F-4D97-AF65-F5344CB8AC3E}">
+        <p14:creationId xmlns:p14="http://schemas.microsoft.com/office/powerpoint/2010/main" val="1261584382"/>
+      </p:ext>
+    </p:extLst>
+  </p:cSld>
+  <p:clrMapOvr>
+    <a:masterClrMapping/>
+  </p:clrMapOvr>
+  <p:timing>
+    <p:tnLst>
+      <p:par>
+        <p:cTn id="1" dur="indefinite" restart="never" nodeType="tmRoot">
+          <p:childTnLst>
+            <p:seq concurrent="1" nextAc="seek">
+              <p:cTn id="2" dur="indefinite" nodeType="mainSeq">
+                <p:childTnLst>
+                  <p:par>
+                    <p:cTn id="3" fill="hold">
+                      <p:stCondLst>
+                        <p:cond delay="indefinite"/>
+                      </p:stCondLst>
+                      <p:childTnLst>
+                        <p:par>
+                          <p:cTn id="4" fill="hold">
+                            <p:stCondLst>
+                              <p:cond delay="0"/>
+                            </p:stCondLst>
+                            <p:childTnLst>
+                              <p:par>
+                                <p:cTn id="5" presetID="10" presetClass="entr" presetSubtype="0" fill="hold" nodeType="clickEffect">
+                                  <p:stCondLst>
+                                    <p:cond delay="0"/>
+                                  </p:stCondLst>
+                                  <p:childTnLst>
+                                    <p:set>
+                                      <p:cBhvr>
+                                        <p:cTn id="6" dur="1" fill="hold">
+                                          <p:stCondLst>
+                                            <p:cond delay="0"/>
+                                          </p:stCondLst>
+                                        </p:cTn>
+                                        <p:tgtEl>
+                                          <p:spTgt spid="6"/>
+                                        </p:tgtEl>
+                                        <p:attrNameLst>
+                                          <p:attrName>style.visibility</p:attrName>
+                                        </p:attrNameLst>
+                                      </p:cBhvr>
+                                      <p:to>
+                                        <p:strVal val="visible"/>
+                                      </p:to>
+                                    </p:set>
+                                    <p:animEffect transition="in" filter="fade">
+                                      <p:cBhvr>
+                                        <p:cTn id="7" dur="500"/>
+                                        <p:tgtEl>
+                                          <p:spTgt spid="6"/>
+                                        </p:tgtEl>
+                                      </p:cBhvr>
+                                    </p:animEffect>
+                                  </p:childTnLst>
+                                </p:cTn>
+                              </p:par>
+                            </p:childTnLst>
+                          </p:cTn>
+                        </p:par>
+                      </p:childTnLst>
+                    </p:cTn>
+                  </p:par>
+                </p:childTnLst>
+              </p:cTn>
+              <p:prevCondLst>
+                <p:cond evt="onPrev" delay="0">
+                  <p:tgtEl>
+                    <p:sldTgt/>
+                  </p:tgtEl>
+                </p:cond>
+              </p:prevCondLst>
+              <p:nextCondLst>
+                <p:cond evt="onNext" delay="0">
+                  <p:tgtEl>
+                    <p:sldTgt/>
+                  </p:tgtEl>
+                </p:cond>
+              </p:nextCondLst>
+            </p:seq>
+          </p:childTnLst>
+        </p:cTn>
+      </p:par>
+    </p:tnLst>
+  </p:timing>
+</p:sld>
+</file>
+
+<file path=ppt/slides/slide6.xml><?xml version="1.0" encoding="utf-8"?>
+<p:sld xmlns:a="http://schemas.openxmlformats.org/drawingml/2006/main" xmlns:r="http://schemas.openxmlformats.org/officeDocument/2006/relationships" xmlns:p="http://schemas.openxmlformats.org/presentationml/2006/main">
+  <p:cSld>
+    <p:spTree>
+      <p:nvGrpSpPr>
+        <p:cNvPr id="1" name=""/>
+        <p:cNvGrpSpPr/>
+        <p:nvPr/>
+      </p:nvGrpSpPr>
+      <p:grpSpPr>
+        <a:xfrm>
+          <a:off x="0" y="0"/>
+          <a:ext cx="0" cy="0"/>
+          <a:chOff x="0" y="0"/>
+          <a:chExt cx="0" cy="0"/>
+        </a:xfrm>
+      </p:grpSpPr>
+      <p:sp>
+        <p:nvSpPr>
+          <p:cNvPr id="2" name="Title 1"/>
+          <p:cNvSpPr>
+            <a:spLocks noGrp="1"/>
+          </p:cNvSpPr>
+          <p:nvPr>
+            <p:ph type="title"/>
+          </p:nvPr>
+        </p:nvSpPr>
+        <p:spPr/>
+        <p:txBody>
+          <a:bodyPr/>
+          <a:lstStyle/>
+          <a:p>
+            <a:r>
+              <a:rPr lang="fr-FR"/>
               <a:t>Démonstration</a:t>
             </a:r>
           </a:p>
@@ -7716,13 +7839,13 @@
   <p:clrMapOvr>
     <a:masterClrMapping/>
   </p:clrMapOvr>
-  <mc:AlternateContent xmlns:mc="http://schemas.openxmlformats.org/markup-compatibility/2006">
-    <mc:Choice xmlns:p14="http://schemas.microsoft.com/office/powerpoint/2010/main" Requires="p14">
+  <mc:AlternateContent xmlns:mc="http://schemas.openxmlformats.org/markup-compatibility/2006" xmlns:p14="http://schemas.microsoft.com/office/powerpoint/2010/main">
+    <mc:Choice Requires="p14">
       <p:transition spd="slow" p14:dur="3900">
         <p14:glitter pattern="hexagon"/>
       </p:transition>
     </mc:Choice>
-    <mc:Fallback>
+    <mc:Fallback xmlns="">
       <p:transition spd="slow">
         <p:fade/>
       </p:transition>
@@ -7731,7 +7854,7 @@
 </p:sld>
 </file>
 
-<file path=ppt/slides/slide6.xml><?xml version="1.0" encoding="utf-8"?>
+<file path=ppt/slides/slide7.xml><?xml version="1.0" encoding="utf-8"?>
 <p:sld xmlns:a="http://schemas.openxmlformats.org/drawingml/2006/main" xmlns:r="http://schemas.openxmlformats.org/officeDocument/2006/relationships" xmlns:p="http://schemas.openxmlformats.org/presentationml/2006/main">
   <p:cSld>
     <p:spTree>
@@ -7802,13 +7925,13 @@
   <p:clrMapOvr>
     <a:masterClrMapping/>
   </p:clrMapOvr>
-  <mc:AlternateContent xmlns:mc="http://schemas.openxmlformats.org/markup-compatibility/2006">
-    <mc:Choice xmlns:p14="http://schemas.microsoft.com/office/powerpoint/2010/main" Requires="p14">
+  <mc:AlternateContent xmlns:mc="http://schemas.openxmlformats.org/markup-compatibility/2006" xmlns:p14="http://schemas.microsoft.com/office/powerpoint/2010/main">
+    <mc:Choice Requires="p14">
       <p:transition spd="slow" p14:dur="3900">
         <p14:glitter pattern="hexagon"/>
       </p:transition>
     </mc:Choice>
-    <mc:Fallback>
+    <mc:Fallback xmlns="">
       <p:transition spd="slow">
         <p:fade/>
       </p:transition>
@@ -7817,7 +7940,7 @@
 </p:sld>
 </file>
 
-<file path=ppt/slides/slide7.xml><?xml version="1.0" encoding="utf-8"?>
+<file path=ppt/slides/slide8.xml><?xml version="1.0" encoding="utf-8"?>
 <p:sld xmlns:a="http://schemas.openxmlformats.org/drawingml/2006/main" xmlns:r="http://schemas.openxmlformats.org/officeDocument/2006/relationships" xmlns:p="http://schemas.openxmlformats.org/presentationml/2006/main">
   <p:cSld>
     <p:spTree>
@@ -7887,13 +8010,6 @@
               </a:rPr>
               <a:t>&lt;/merci&gt;</a:t>
             </a:r>
-            <a:endParaRPr lang="fr-FR" sz="4400" b="1">
-              <a:solidFill>
-                <a:srgbClr val="C00000"/>
-              </a:solidFill>
-              <a:latin typeface="Courier New" panose="02070309020205020404" pitchFamily="49" charset="0"/>
-              <a:cs typeface="Courier New" panose="02070309020205020404" pitchFamily="49" charset="0"/>
-            </a:endParaRPr>
           </a:p>
         </p:txBody>
       </p:sp>
@@ -7927,11 +8043,6 @@
               </a:rPr>
               <a:t>Xavier</a:t>
             </a:r>
-            <a:endParaRPr lang="fr-FR" sz="4000">
-              <a:solidFill>
-                <a:srgbClr val="00B050"/>
-              </a:solidFill>
-            </a:endParaRPr>
           </a:p>
         </p:txBody>
       </p:sp>
@@ -7967,13 +8078,6 @@
               </a:rPr>
               <a:t>Martine</a:t>
             </a:r>
-            <a:endParaRPr lang="fr-FR" sz="4000">
-              <a:solidFill>
-                <a:schemeClr val="accent6">
-                  <a:lumMod val="75000"/>
-                </a:schemeClr>
-              </a:solidFill>
-            </a:endParaRPr>
           </a:p>
         </p:txBody>
       </p:sp>
@@ -8007,11 +8111,6 @@
               </a:rPr>
               <a:t>Thomas</a:t>
             </a:r>
-            <a:endParaRPr lang="fr-FR" sz="4000">
-              <a:solidFill>
-                <a:srgbClr val="FF0000"/>
-              </a:solidFill>
-            </a:endParaRPr>
           </a:p>
         </p:txBody>
       </p:sp>
@@ -8045,11 +8144,6 @@
               </a:rPr>
               <a:t>Fred</a:t>
             </a:r>
-            <a:endParaRPr lang="fr-FR" sz="4000">
-              <a:solidFill>
-                <a:srgbClr val="0070C0"/>
-              </a:solidFill>
-            </a:endParaRPr>
           </a:p>
         </p:txBody>
       </p:sp>
@@ -8063,13 +8157,13 @@
   <p:clrMapOvr>
     <a:masterClrMapping/>
   </p:clrMapOvr>
-  <mc:AlternateContent xmlns:mc="http://schemas.openxmlformats.org/markup-compatibility/2006">
-    <mc:Choice xmlns:p14="http://schemas.microsoft.com/office/powerpoint/2010/main" Requires="p14">
+  <mc:AlternateContent xmlns:mc="http://schemas.openxmlformats.org/markup-compatibility/2006" xmlns:p14="http://schemas.microsoft.com/office/powerpoint/2010/main">
+    <mc:Choice Requires="p14">
       <p:transition spd="slow" p14:dur="3900">
         <p14:glitter pattern="hexagon"/>
       </p:transition>
     </mc:Choice>
-    <mc:Fallback>
+    <mc:Fallback xmlns="">
       <p:transition spd="slow">
         <p:fade/>
       </p:transition>
